--- a/Mēbeļu ražošanas uzņēmuma mājaslapa.pptx
+++ b/Mēbeļu ražošanas uzņēmuma mājaslapa.pptx
@@ -10,6 +10,7 @@
     <p:sldId id="258" r:id="rId4"/>
     <p:sldId id="259" r:id="rId5"/>
     <p:sldId id="260" r:id="rId6"/>
+    <p:sldId id="261" r:id="rId7"/>
   </p:sldIdLst>
   <p:sldSz cx="12192000" cy="6858000"/>
   <p:notesSz cx="6858000" cy="9144000"/>
@@ -108,6 +109,11 @@
       </a:defRPr>
     </a:lvl9pPr>
   </p:defaultTextStyle>
+  <p:extLst>
+    <p:ext uri="{EFAFB233-063F-42B5-8137-9DF3F51BA10A}">
+      <p15:sldGuideLst xmlns:p15="http://schemas.microsoft.com/office/powerpoint/2012/main"/>
+    </p:ext>
+  </p:extLst>
 </p:presentation>
 </file>
 
@@ -4751,6 +4757,104 @@
 </p:sld>
 </file>
 
+<file path=ppt/slides/slide6.xml><?xml version="1.0" encoding="utf-8"?>
+<p:sld xmlns:a="http://schemas.openxmlformats.org/drawingml/2006/main" xmlns:r="http://schemas.openxmlformats.org/officeDocument/2006/relationships" xmlns:p="http://schemas.openxmlformats.org/presentationml/2006/main">
+  <p:cSld>
+    <p:spTree>
+      <p:nvGrpSpPr>
+        <p:cNvPr id="1" name=""/>
+        <p:cNvGrpSpPr/>
+        <p:nvPr/>
+      </p:nvGrpSpPr>
+      <p:grpSpPr>
+        <a:xfrm>
+          <a:off x="0" y="0"/>
+          <a:ext cx="0" cy="0"/>
+          <a:chOff x="0" y="0"/>
+          <a:chExt cx="0" cy="0"/>
+        </a:xfrm>
+      </p:grpSpPr>
+      <p:sp>
+        <p:nvSpPr>
+          <p:cNvPr id="2" name="Title 1">
+            <a:extLst>
+              <a:ext uri="{FF2B5EF4-FFF2-40B4-BE49-F238E27FC236}">
+                <a16:creationId xmlns:a16="http://schemas.microsoft.com/office/drawing/2014/main" id="{080BC457-42D5-2FED-4635-D88F3BEB235D}"/>
+              </a:ext>
+            </a:extLst>
+          </p:cNvPr>
+          <p:cNvSpPr>
+            <a:spLocks noGrp="1"/>
+          </p:cNvSpPr>
+          <p:nvPr>
+            <p:ph type="ctrTitle"/>
+          </p:nvPr>
+        </p:nvSpPr>
+        <p:spPr/>
+        <p:txBody>
+          <a:bodyPr/>
+          <a:lstStyle/>
+          <a:p>
+            <a:r>
+              <a:rPr lang="lv-LV" dirty="0">
+                <a:latin typeface="Bahnschrift Condensed" panose="020B0502040204020203" pitchFamily="34" charset="0"/>
+              </a:rPr>
+              <a:t>Demonstrācija</a:t>
+            </a:r>
+            <a:endParaRPr lang="en-150" dirty="0">
+              <a:latin typeface="Bahnschrift Condensed" panose="020B0502040204020203" pitchFamily="34" charset="0"/>
+            </a:endParaRPr>
+          </a:p>
+        </p:txBody>
+      </p:sp>
+      <p:sp>
+        <p:nvSpPr>
+          <p:cNvPr id="7" name="Subtitle 6">
+            <a:extLst>
+              <a:ext uri="{FF2B5EF4-FFF2-40B4-BE49-F238E27FC236}">
+                <a16:creationId xmlns:a16="http://schemas.microsoft.com/office/drawing/2014/main" id="{6A702362-1C97-033F-3964-0B3FACB54E86}"/>
+              </a:ext>
+            </a:extLst>
+          </p:cNvPr>
+          <p:cNvSpPr>
+            <a:spLocks noGrp="1"/>
+          </p:cNvSpPr>
+          <p:nvPr>
+            <p:ph type="subTitle" idx="1"/>
+          </p:nvPr>
+        </p:nvSpPr>
+        <p:spPr/>
+        <p:txBody>
+          <a:bodyPr/>
+          <a:lstStyle/>
+          <a:p>
+            <a:r>
+              <a:rPr lang="lv-LV" dirty="0">
+                <a:hlinkClick r:id="rId2"/>
+              </a:rPr>
+              <a:t>http://localhost:8000/</a:t>
+            </a:r>
+            <a:r>
+              <a:rPr lang="lv-LV" dirty="0"/>
+              <a:t> </a:t>
+            </a:r>
+            <a:endParaRPr lang="en-150" dirty="0"/>
+          </a:p>
+        </p:txBody>
+      </p:sp>
+    </p:spTree>
+    <p:extLst>
+      <p:ext uri="{BB962C8B-B14F-4D97-AF65-F5344CB8AC3E}">
+        <p14:creationId xmlns:p14="http://schemas.microsoft.com/office/powerpoint/2010/main" val="3217924986"/>
+      </p:ext>
+    </p:extLst>
+  </p:cSld>
+  <p:clrMapOvr>
+    <a:masterClrMapping/>
+  </p:clrMapOvr>
+</p:sld>
+</file>
+
 <file path=ppt/theme/theme1.xml><?xml version="1.0" encoding="utf-8"?>
 <a:theme xmlns:a="http://schemas.openxmlformats.org/drawingml/2006/main" name="Wood Type">
   <a:themeElements>

--- a/Mēbeļu ražošanas uzņēmuma mājaslapa.pptx
+++ b/Mēbeļu ražošanas uzņēmuma mājaslapa.pptx
@@ -10,7 +10,9 @@
     <p:sldId id="258" r:id="rId4"/>
     <p:sldId id="259" r:id="rId5"/>
     <p:sldId id="260" r:id="rId6"/>
-    <p:sldId id="261" r:id="rId7"/>
+    <p:sldId id="262" r:id="rId7"/>
+    <p:sldId id="263" r:id="rId8"/>
+    <p:sldId id="264" r:id="rId9"/>
   </p:sldIdLst>
   <p:sldSz cx="12192000" cy="6858000"/>
   <p:notesSz cx="6858000" cy="9144000"/>
@@ -520,7 +522,7 @@
           <a:p>
             <a:fld id="{83284890-85D2-4D7B-8EF5-15A9C1DB8F42}" type="datetimeFigureOut">
               <a:rPr lang="en-US" dirty="0"/>
-              <a:t>1/15/2023</a:t>
+              <a:t>1/18/2023</a:t>
             </a:fld>
             <a:endParaRPr lang="en-US" dirty="0"/>
           </a:p>
@@ -695,7 +697,7 @@
           <a:p>
             <a:fld id="{87157CC2-0FC8-4686-B024-99790E0F5162}" type="datetimeFigureOut">
               <a:rPr lang="en-US" dirty="0"/>
-              <a:t>1/15/2023</a:t>
+              <a:t>1/18/2023</a:t>
             </a:fld>
             <a:endParaRPr lang="en-US" dirty="0"/>
           </a:p>
@@ -870,7 +872,7 @@
           <a:p>
             <a:fld id="{F6764DA5-CD3D-4590-A511-FCD3BC7A793E}" type="datetimeFigureOut">
               <a:rPr lang="en-US" dirty="0"/>
-              <a:t>1/15/2023</a:t>
+              <a:t>1/18/2023</a:t>
             </a:fld>
             <a:endParaRPr lang="en-US" dirty="0"/>
           </a:p>
@@ -1035,7 +1037,7 @@
           <a:p>
             <a:fld id="{82F5661D-6934-4B32-B92C-470368BF1EC6}" type="datetimeFigureOut">
               <a:rPr lang="en-US" dirty="0"/>
-              <a:t>1/15/2023</a:t>
+              <a:t>1/18/2023</a:t>
             </a:fld>
             <a:endParaRPr lang="en-US" dirty="0"/>
           </a:p>
@@ -1343,7 +1345,7 @@
           <a:p>
             <a:fld id="{C6F822A4-8DA6-4447-9B1F-C5DB58435268}" type="datetimeFigureOut">
               <a:rPr lang="en-US" dirty="0"/>
-              <a:t>1/15/2023</a:t>
+              <a:t>1/18/2023</a:t>
             </a:fld>
             <a:endParaRPr lang="en-US" dirty="0"/>
           </a:p>
@@ -1725,7 +1727,7 @@
           <a:p>
             <a:fld id="{E548D31E-DCDA-41A7-9C67-C4B11B94D21D}" type="datetimeFigureOut">
               <a:rPr lang="en-US" dirty="0"/>
-              <a:t>1/15/2023</a:t>
+              <a:t>1/18/2023</a:t>
             </a:fld>
             <a:endParaRPr lang="en-US" dirty="0"/>
           </a:p>
@@ -2154,7 +2156,7 @@
           <a:p>
             <a:fld id="{9B3762C0-B258-48F1-ADE6-176B4174CCDD}" type="datetimeFigureOut">
               <a:rPr lang="en-US" dirty="0"/>
-              <a:t>1/15/2023</a:t>
+              <a:t>1/18/2023</a:t>
             </a:fld>
             <a:endParaRPr lang="en-US" dirty="0"/>
           </a:p>
@@ -2267,7 +2269,7 @@
           <a:p>
             <a:fld id="{677919A6-33EB-49BD-A62F-1FA56B9F9712}" type="datetimeFigureOut">
               <a:rPr lang="en-US" dirty="0"/>
-              <a:t>1/15/2023</a:t>
+              <a:t>1/18/2023</a:t>
             </a:fld>
             <a:endParaRPr lang="en-US" dirty="0"/>
           </a:p>
@@ -2357,7 +2359,7 @@
           <a:p>
             <a:fld id="{CA4E7D1B-D673-4CF6-8672-009D42ABD2A0}" type="datetimeFigureOut">
               <a:rPr lang="en-US" dirty="0"/>
-              <a:t>1/15/2023</a:t>
+              <a:t>1/18/2023</a:t>
             </a:fld>
             <a:endParaRPr lang="en-US" dirty="0"/>
           </a:p>
@@ -2702,7 +2704,7 @@
           <a:p>
             <a:fld id="{DA16AA21-1863-4931-97CB-99D0A168701B}" type="datetimeFigureOut">
               <a:rPr lang="en-US" dirty="0"/>
-              <a:t>1/15/2023</a:t>
+              <a:t>1/18/2023</a:t>
             </a:fld>
             <a:endParaRPr lang="en-US" dirty="0"/>
           </a:p>
@@ -3122,7 +3124,7 @@
           <a:p>
             <a:fld id="{3772C379-9A7C-4C87-A116-CBE9F58B04C5}" type="datetimeFigureOut">
               <a:rPr lang="en-US" dirty="0"/>
-              <a:t>1/15/2023</a:t>
+              <a:t>1/18/2023</a:t>
             </a:fld>
             <a:endParaRPr lang="en-US" dirty="0"/>
           </a:p>
@@ -3398,7 +3400,7 @@
           <a:p>
             <a:fld id="{8664C608-40B1-4030-A28D-5B74BC98ADCE}" type="datetimeFigureOut">
               <a:rPr lang="en-US" dirty="0"/>
-              <a:t>1/15/2023</a:t>
+              <a:t>1/18/2023</a:t>
             </a:fld>
             <a:endParaRPr lang="en-US" dirty="0"/>
           </a:p>
@@ -4036,13 +4038,34 @@
               </a:rPr>
               <a:t>Vitālijs Verhovičs</a:t>
             </a:r>
-          </a:p>
-          <a:p>
+            <a:r>
+              <a:rPr lang="en-150" dirty="0">
+                <a:latin typeface="Bahnschrift" panose="020B0502040204020203" pitchFamily="34" charset="0"/>
+              </a:rPr>
+              <a:t> (</a:t>
+            </a:r>
             <a:r>
               <a:rPr lang="lv-LV" dirty="0">
                 <a:latin typeface="Bahnschrift" panose="020B0502040204020203" pitchFamily="34" charset="0"/>
               </a:rPr>
               <a:t>vv20033</a:t>
+            </a:r>
+            <a:r>
+              <a:rPr lang="en-150" dirty="0">
+                <a:latin typeface="Bahnschrift" panose="020B0502040204020203" pitchFamily="34" charset="0"/>
+              </a:rPr>
+              <a:t>)</a:t>
+            </a:r>
+            <a:endParaRPr lang="lv-LV" dirty="0">
+              <a:latin typeface="Bahnschrift" panose="020B0502040204020203" pitchFamily="34" charset="0"/>
+            </a:endParaRPr>
+          </a:p>
+          <a:p>
+            <a:r>
+              <a:rPr lang="lv-LV" dirty="0">
+                <a:latin typeface="Bahnschrift" panose="020B0502040204020203" pitchFamily="34" charset="0"/>
+              </a:rPr>
+              <a:t>Darba vadītājs: Dr.sc.comp. Māris Vītiņš</a:t>
             </a:r>
           </a:p>
         </p:txBody>
@@ -4618,7 +4641,12 @@
             <p:ph type="body" sz="quarter" idx="3"/>
           </p:nvPr>
         </p:nvSpPr>
-        <p:spPr/>
+        <p:spPr>
+          <a:xfrm>
+            <a:off x="6205491" y="2048256"/>
+            <a:ext cx="4913613" cy="640080"/>
+          </a:xfrm>
+        </p:spPr>
         <p:txBody>
           <a:bodyPr/>
           <a:lstStyle/>
@@ -4651,7 +4679,12 @@
             <p:ph sz="quarter" idx="4"/>
           </p:nvPr>
         </p:nvSpPr>
-        <p:spPr/>
+        <p:spPr>
+          <a:xfrm>
+            <a:off x="6096001" y="2743200"/>
+            <a:ext cx="5826710" cy="3291840"/>
+          </a:xfrm>
+        </p:spPr>
         <p:txBody>
           <a:bodyPr/>
           <a:lstStyle/>
@@ -4668,7 +4701,7 @@
               <a:rPr lang="lv-LV" dirty="0">
                 <a:latin typeface="Bahnschrift" panose="020B0502040204020203" pitchFamily="34" charset="0"/>
               </a:rPr>
-              <a:t>vivatels.lv</a:t>
+              <a:t>vivatels.lv - atbilst uzņēmuma nosaukumam</a:t>
             </a:r>
           </a:p>
           <a:p>
@@ -4776,10 +4809,10 @@
       </p:grpSpPr>
       <p:sp>
         <p:nvSpPr>
-          <p:cNvPr id="2" name="Title 1">
+          <p:cNvPr id="7" name="Title 6">
             <a:extLst>
               <a:ext uri="{FF2B5EF4-FFF2-40B4-BE49-F238E27FC236}">
-                <a16:creationId xmlns:a16="http://schemas.microsoft.com/office/drawing/2014/main" id="{080BC457-42D5-2FED-4635-D88F3BEB235D}"/>
+                <a16:creationId xmlns:a16="http://schemas.microsoft.com/office/drawing/2014/main" id="{B13AE58C-0688-C29D-424E-7D19703CCA2C}"/>
               </a:ext>
             </a:extLst>
           </p:cNvPr>
@@ -4787,7 +4820,7 @@
             <a:spLocks noGrp="1"/>
           </p:cNvSpPr>
           <p:nvPr>
-            <p:ph type="ctrTitle"/>
+            <p:ph type="title"/>
           </p:nvPr>
         </p:nvSpPr>
         <p:spPr/>
@@ -4795,11 +4828,23 @@
           <a:bodyPr/>
           <a:lstStyle/>
           <a:p>
+            <a:r>
+              <a:rPr lang="en-150" dirty="0" err="1">
+                <a:latin typeface="Bahnschrift Condensed" panose="020B0502040204020203" pitchFamily="34" charset="0"/>
+              </a:rPr>
+              <a:t>Jaut</a:t>
+            </a:r>
+            <a:r>
+              <a:rPr lang="lv-LV" dirty="0" err="1">
+                <a:latin typeface="Bahnschrift Condensed" panose="020B0502040204020203" pitchFamily="34" charset="0"/>
+              </a:rPr>
+              <a:t>ājumi</a:t>
+            </a:r>
             <a:r>
               <a:rPr lang="lv-LV" dirty="0">
                 <a:latin typeface="Bahnschrift Condensed" panose="020B0502040204020203" pitchFamily="34" charset="0"/>
               </a:rPr>
-              <a:t>Demonstrācija</a:t>
+              <a:t> un atbildes</a:t>
             </a:r>
             <a:endParaRPr lang="en-150" dirty="0">
               <a:latin typeface="Bahnschrift Condensed" panose="020B0502040204020203" pitchFamily="34" charset="0"/>
@@ -4809,10 +4854,10 @@
       </p:sp>
       <p:sp>
         <p:nvSpPr>
-          <p:cNvPr id="7" name="Subtitle 6">
+          <p:cNvPr id="8" name="Content Placeholder 7">
             <a:extLst>
               <a:ext uri="{FF2B5EF4-FFF2-40B4-BE49-F238E27FC236}">
-                <a16:creationId xmlns:a16="http://schemas.microsoft.com/office/drawing/2014/main" id="{6A702362-1C97-033F-3964-0B3FACB54E86}"/>
+                <a16:creationId xmlns:a16="http://schemas.microsoft.com/office/drawing/2014/main" id="{54C4310F-8ABB-DB99-9970-9CCF9281E6C5}"/>
               </a:ext>
             </a:extLst>
           </p:cNvPr>
@@ -4820,7 +4865,7 @@
             <a:spLocks noGrp="1"/>
           </p:cNvSpPr>
           <p:nvPr>
-            <p:ph type="subTitle" idx="1"/>
+            <p:ph idx="1"/>
           </p:nvPr>
         </p:nvSpPr>
         <p:spPr/>
@@ -4829,29 +4874,995 @@
           <a:lstStyle/>
           <a:p>
             <a:r>
-              <a:rPr lang="lv-LV" dirty="0">
-                <a:hlinkClick r:id="rId2"/>
-              </a:rPr>
-              <a:t>http://localhost:8000/</a:t>
-            </a:r>
-            <a:r>
-              <a:rPr lang="lv-LV" dirty="0"/>
-              <a:t> </a:t>
-            </a:r>
+              <a:rPr lang="lv-LV" dirty="0" err="1"/>
+              <a:t>Vienībtestēšana</a:t>
+            </a:r>
+            <a:endParaRPr lang="lv-LV" dirty="0"/>
+          </a:p>
+          <a:p>
             <a:endParaRPr lang="en-150" dirty="0"/>
           </a:p>
         </p:txBody>
       </p:sp>
+      <p:pic>
+        <p:nvPicPr>
+          <p:cNvPr id="12" name="Picture 11">
+            <a:extLst>
+              <a:ext uri="{FF2B5EF4-FFF2-40B4-BE49-F238E27FC236}">
+                <a16:creationId xmlns:a16="http://schemas.microsoft.com/office/drawing/2014/main" id="{786FB144-7EB7-16DD-BE8A-49E4AF34383A}"/>
+              </a:ext>
+            </a:extLst>
+          </p:cNvPr>
+          <p:cNvPicPr>
+            <a:picLocks noChangeAspect="1"/>
+          </p:cNvPicPr>
+          <p:nvPr/>
+        </p:nvPicPr>
+        <p:blipFill>
+          <a:blip r:embed="rId2"/>
+          <a:stretch>
+            <a:fillRect/>
+          </a:stretch>
+        </p:blipFill>
+        <p:spPr>
+          <a:xfrm>
+            <a:off x="914972" y="685800"/>
+            <a:ext cx="10207180" cy="5514780"/>
+          </a:xfrm>
+          <a:prstGeom prst="rect">
+            <a:avLst/>
+          </a:prstGeom>
+        </p:spPr>
+      </p:pic>
     </p:spTree>
     <p:extLst>
       <p:ext uri="{BB962C8B-B14F-4D97-AF65-F5344CB8AC3E}">
-        <p14:creationId xmlns:p14="http://schemas.microsoft.com/office/powerpoint/2010/main" val="3217924986"/>
+        <p14:creationId xmlns:p14="http://schemas.microsoft.com/office/powerpoint/2010/main" val="620984598"/>
       </p:ext>
     </p:extLst>
   </p:cSld>
   <p:clrMapOvr>
     <a:masterClrMapping/>
   </p:clrMapOvr>
+  <p:timing>
+    <p:tnLst>
+      <p:par>
+        <p:cTn id="1" dur="indefinite" restart="never" nodeType="tmRoot">
+          <p:childTnLst>
+            <p:seq concurrent="1" nextAc="seek">
+              <p:cTn id="2" dur="indefinite" nodeType="mainSeq">
+                <p:childTnLst>
+                  <p:par>
+                    <p:cTn id="3" fill="hold">
+                      <p:stCondLst>
+                        <p:cond delay="indefinite"/>
+                      </p:stCondLst>
+                      <p:childTnLst>
+                        <p:par>
+                          <p:cTn id="4" fill="hold">
+                            <p:stCondLst>
+                              <p:cond delay="0"/>
+                            </p:stCondLst>
+                            <p:childTnLst>
+                              <p:par>
+                                <p:cTn id="5" presetID="42" presetClass="entr" presetSubtype="0" fill="hold" nodeType="clickEffect">
+                                  <p:stCondLst>
+                                    <p:cond delay="0"/>
+                                  </p:stCondLst>
+                                  <p:childTnLst>
+                                    <p:set>
+                                      <p:cBhvr>
+                                        <p:cTn id="6" dur="1" fill="hold">
+                                          <p:stCondLst>
+                                            <p:cond delay="0"/>
+                                          </p:stCondLst>
+                                        </p:cTn>
+                                        <p:tgtEl>
+                                          <p:spTgt spid="12"/>
+                                        </p:tgtEl>
+                                        <p:attrNameLst>
+                                          <p:attrName>style.visibility</p:attrName>
+                                        </p:attrNameLst>
+                                      </p:cBhvr>
+                                      <p:to>
+                                        <p:strVal val="visible"/>
+                                      </p:to>
+                                    </p:set>
+                                    <p:animEffect transition="in" filter="fade">
+                                      <p:cBhvr>
+                                        <p:cTn id="7" dur="1000"/>
+                                        <p:tgtEl>
+                                          <p:spTgt spid="12"/>
+                                        </p:tgtEl>
+                                      </p:cBhvr>
+                                    </p:animEffect>
+                                    <p:anim calcmode="lin" valueType="num">
+                                      <p:cBhvr>
+                                        <p:cTn id="8" dur="1000" fill="hold"/>
+                                        <p:tgtEl>
+                                          <p:spTgt spid="12"/>
+                                        </p:tgtEl>
+                                        <p:attrNameLst>
+                                          <p:attrName>ppt_x</p:attrName>
+                                        </p:attrNameLst>
+                                      </p:cBhvr>
+                                      <p:tavLst>
+                                        <p:tav tm="0">
+                                          <p:val>
+                                            <p:strVal val="#ppt_x"/>
+                                          </p:val>
+                                        </p:tav>
+                                        <p:tav tm="100000">
+                                          <p:val>
+                                            <p:strVal val="#ppt_x"/>
+                                          </p:val>
+                                        </p:tav>
+                                      </p:tavLst>
+                                    </p:anim>
+                                    <p:anim calcmode="lin" valueType="num">
+                                      <p:cBhvr>
+                                        <p:cTn id="9" dur="1000" fill="hold"/>
+                                        <p:tgtEl>
+                                          <p:spTgt spid="12"/>
+                                        </p:tgtEl>
+                                        <p:attrNameLst>
+                                          <p:attrName>ppt_y</p:attrName>
+                                        </p:attrNameLst>
+                                      </p:cBhvr>
+                                      <p:tavLst>
+                                        <p:tav tm="0">
+                                          <p:val>
+                                            <p:strVal val="#ppt_y+.1"/>
+                                          </p:val>
+                                        </p:tav>
+                                        <p:tav tm="100000">
+                                          <p:val>
+                                            <p:strVal val="#ppt_y"/>
+                                          </p:val>
+                                        </p:tav>
+                                      </p:tavLst>
+                                    </p:anim>
+                                  </p:childTnLst>
+                                </p:cTn>
+                              </p:par>
+                            </p:childTnLst>
+                          </p:cTn>
+                        </p:par>
+                      </p:childTnLst>
+                    </p:cTn>
+                  </p:par>
+                </p:childTnLst>
+              </p:cTn>
+              <p:prevCondLst>
+                <p:cond evt="onPrev" delay="0">
+                  <p:tgtEl>
+                    <p:sldTgt/>
+                  </p:tgtEl>
+                </p:cond>
+              </p:prevCondLst>
+              <p:nextCondLst>
+                <p:cond evt="onNext" delay="0">
+                  <p:tgtEl>
+                    <p:sldTgt/>
+                  </p:tgtEl>
+                </p:cond>
+              </p:nextCondLst>
+            </p:seq>
+          </p:childTnLst>
+        </p:cTn>
+      </p:par>
+    </p:tnLst>
+  </p:timing>
+</p:sld>
+</file>
+
+<file path=ppt/slides/slide7.xml><?xml version="1.0" encoding="utf-8"?>
+<p:sld xmlns:a="http://schemas.openxmlformats.org/drawingml/2006/main" xmlns:r="http://schemas.openxmlformats.org/officeDocument/2006/relationships" xmlns:p="http://schemas.openxmlformats.org/presentationml/2006/main">
+  <p:cSld>
+    <p:spTree>
+      <p:nvGrpSpPr>
+        <p:cNvPr id="1" name=""/>
+        <p:cNvGrpSpPr/>
+        <p:nvPr/>
+      </p:nvGrpSpPr>
+      <p:grpSpPr>
+        <a:xfrm>
+          <a:off x="0" y="0"/>
+          <a:ext cx="0" cy="0"/>
+          <a:chOff x="0" y="0"/>
+          <a:chExt cx="0" cy="0"/>
+        </a:xfrm>
+      </p:grpSpPr>
+      <p:sp>
+        <p:nvSpPr>
+          <p:cNvPr id="7" name="Title 6">
+            <a:extLst>
+              <a:ext uri="{FF2B5EF4-FFF2-40B4-BE49-F238E27FC236}">
+                <a16:creationId xmlns:a16="http://schemas.microsoft.com/office/drawing/2014/main" id="{B13AE58C-0688-C29D-424E-7D19703CCA2C}"/>
+              </a:ext>
+            </a:extLst>
+          </p:cNvPr>
+          <p:cNvSpPr>
+            <a:spLocks noGrp="1"/>
+          </p:cNvSpPr>
+          <p:nvPr>
+            <p:ph type="title"/>
+          </p:nvPr>
+        </p:nvSpPr>
+        <p:spPr/>
+        <p:txBody>
+          <a:bodyPr/>
+          <a:lstStyle/>
+          <a:p>
+            <a:r>
+              <a:rPr lang="en-150" dirty="0" err="1">
+                <a:latin typeface="Bahnschrift Condensed" panose="020B0502040204020203" pitchFamily="34" charset="0"/>
+              </a:rPr>
+              <a:t>Jaut</a:t>
+            </a:r>
+            <a:r>
+              <a:rPr lang="lv-LV" dirty="0" err="1">
+                <a:latin typeface="Bahnschrift Condensed" panose="020B0502040204020203" pitchFamily="34" charset="0"/>
+              </a:rPr>
+              <a:t>ājumi</a:t>
+            </a:r>
+            <a:r>
+              <a:rPr lang="lv-LV" dirty="0">
+                <a:latin typeface="Bahnschrift Condensed" panose="020B0502040204020203" pitchFamily="34" charset="0"/>
+              </a:rPr>
+              <a:t> un atbildes</a:t>
+            </a:r>
+            <a:endParaRPr lang="en-150" dirty="0">
+              <a:latin typeface="Bahnschrift Condensed" panose="020B0502040204020203" pitchFamily="34" charset="0"/>
+            </a:endParaRPr>
+          </a:p>
+        </p:txBody>
+      </p:sp>
+      <p:sp>
+        <p:nvSpPr>
+          <p:cNvPr id="8" name="Content Placeholder 7">
+            <a:extLst>
+              <a:ext uri="{FF2B5EF4-FFF2-40B4-BE49-F238E27FC236}">
+                <a16:creationId xmlns:a16="http://schemas.microsoft.com/office/drawing/2014/main" id="{54C4310F-8ABB-DB99-9970-9CCF9281E6C5}"/>
+              </a:ext>
+            </a:extLst>
+          </p:cNvPr>
+          <p:cNvSpPr>
+            <a:spLocks noGrp="1"/>
+          </p:cNvSpPr>
+          <p:nvPr>
+            <p:ph idx="1"/>
+          </p:nvPr>
+        </p:nvSpPr>
+        <p:spPr/>
+        <p:txBody>
+          <a:bodyPr/>
+          <a:lstStyle/>
+          <a:p>
+            <a:r>
+              <a:rPr lang="lv-LV" dirty="0"/>
+              <a:t>Darbietilpības novērtējums</a:t>
+            </a:r>
+          </a:p>
+          <a:p>
+            <a:endParaRPr lang="en-150" dirty="0"/>
+          </a:p>
+        </p:txBody>
+      </p:sp>
+      <p:pic>
+        <p:nvPicPr>
+          <p:cNvPr id="3" name="Picture 2">
+            <a:extLst>
+              <a:ext uri="{FF2B5EF4-FFF2-40B4-BE49-F238E27FC236}">
+                <a16:creationId xmlns:a16="http://schemas.microsoft.com/office/drawing/2014/main" id="{A386C61E-F012-9345-6F18-2A929B5A5B33}"/>
+              </a:ext>
+            </a:extLst>
+          </p:cNvPr>
+          <p:cNvPicPr>
+            <a:picLocks noChangeAspect="1"/>
+          </p:cNvPicPr>
+          <p:nvPr/>
+        </p:nvPicPr>
+        <p:blipFill>
+          <a:blip r:embed="rId2"/>
+          <a:stretch>
+            <a:fillRect/>
+          </a:stretch>
+        </p:blipFill>
+        <p:spPr>
+          <a:xfrm>
+            <a:off x="587740" y="520486"/>
+            <a:ext cx="11016519" cy="5817027"/>
+          </a:xfrm>
+          <a:prstGeom prst="rect">
+            <a:avLst/>
+          </a:prstGeom>
+        </p:spPr>
+      </p:pic>
+    </p:spTree>
+    <p:extLst>
+      <p:ext uri="{BB962C8B-B14F-4D97-AF65-F5344CB8AC3E}">
+        <p14:creationId xmlns:p14="http://schemas.microsoft.com/office/powerpoint/2010/main" val="3717458295"/>
+      </p:ext>
+    </p:extLst>
+  </p:cSld>
+  <p:clrMapOvr>
+    <a:masterClrMapping/>
+  </p:clrMapOvr>
+  <p:timing>
+    <p:tnLst>
+      <p:par>
+        <p:cTn id="1" dur="indefinite" restart="never" nodeType="tmRoot">
+          <p:childTnLst>
+            <p:seq concurrent="1" nextAc="seek">
+              <p:cTn id="2" dur="indefinite" nodeType="mainSeq">
+                <p:childTnLst>
+                  <p:par>
+                    <p:cTn id="3" fill="hold">
+                      <p:stCondLst>
+                        <p:cond delay="indefinite"/>
+                      </p:stCondLst>
+                      <p:childTnLst>
+                        <p:par>
+                          <p:cTn id="4" fill="hold">
+                            <p:stCondLst>
+                              <p:cond delay="0"/>
+                            </p:stCondLst>
+                            <p:childTnLst>
+                              <p:par>
+                                <p:cTn id="5" presetID="42" presetClass="entr" presetSubtype="0" fill="hold" nodeType="clickEffect">
+                                  <p:stCondLst>
+                                    <p:cond delay="0"/>
+                                  </p:stCondLst>
+                                  <p:childTnLst>
+                                    <p:set>
+                                      <p:cBhvr>
+                                        <p:cTn id="6" dur="1" fill="hold">
+                                          <p:stCondLst>
+                                            <p:cond delay="0"/>
+                                          </p:stCondLst>
+                                        </p:cTn>
+                                        <p:tgtEl>
+                                          <p:spTgt spid="3"/>
+                                        </p:tgtEl>
+                                        <p:attrNameLst>
+                                          <p:attrName>style.visibility</p:attrName>
+                                        </p:attrNameLst>
+                                      </p:cBhvr>
+                                      <p:to>
+                                        <p:strVal val="visible"/>
+                                      </p:to>
+                                    </p:set>
+                                    <p:animEffect transition="in" filter="fade">
+                                      <p:cBhvr>
+                                        <p:cTn id="7" dur="1000"/>
+                                        <p:tgtEl>
+                                          <p:spTgt spid="3"/>
+                                        </p:tgtEl>
+                                      </p:cBhvr>
+                                    </p:animEffect>
+                                    <p:anim calcmode="lin" valueType="num">
+                                      <p:cBhvr>
+                                        <p:cTn id="8" dur="1000" fill="hold"/>
+                                        <p:tgtEl>
+                                          <p:spTgt spid="3"/>
+                                        </p:tgtEl>
+                                        <p:attrNameLst>
+                                          <p:attrName>ppt_x</p:attrName>
+                                        </p:attrNameLst>
+                                      </p:cBhvr>
+                                      <p:tavLst>
+                                        <p:tav tm="0">
+                                          <p:val>
+                                            <p:strVal val="#ppt_x"/>
+                                          </p:val>
+                                        </p:tav>
+                                        <p:tav tm="100000">
+                                          <p:val>
+                                            <p:strVal val="#ppt_x"/>
+                                          </p:val>
+                                        </p:tav>
+                                      </p:tavLst>
+                                    </p:anim>
+                                    <p:anim calcmode="lin" valueType="num">
+                                      <p:cBhvr>
+                                        <p:cTn id="9" dur="1000" fill="hold"/>
+                                        <p:tgtEl>
+                                          <p:spTgt spid="3"/>
+                                        </p:tgtEl>
+                                        <p:attrNameLst>
+                                          <p:attrName>ppt_y</p:attrName>
+                                        </p:attrNameLst>
+                                      </p:cBhvr>
+                                      <p:tavLst>
+                                        <p:tav tm="0">
+                                          <p:val>
+                                            <p:strVal val="#ppt_y+.1"/>
+                                          </p:val>
+                                        </p:tav>
+                                        <p:tav tm="100000">
+                                          <p:val>
+                                            <p:strVal val="#ppt_y"/>
+                                          </p:val>
+                                        </p:tav>
+                                      </p:tavLst>
+                                    </p:anim>
+                                  </p:childTnLst>
+                                </p:cTn>
+                              </p:par>
+                            </p:childTnLst>
+                          </p:cTn>
+                        </p:par>
+                      </p:childTnLst>
+                    </p:cTn>
+                  </p:par>
+                </p:childTnLst>
+              </p:cTn>
+              <p:prevCondLst>
+                <p:cond evt="onPrev" delay="0">
+                  <p:tgtEl>
+                    <p:sldTgt/>
+                  </p:tgtEl>
+                </p:cond>
+              </p:prevCondLst>
+              <p:nextCondLst>
+                <p:cond evt="onNext" delay="0">
+                  <p:tgtEl>
+                    <p:sldTgt/>
+                  </p:tgtEl>
+                </p:cond>
+              </p:nextCondLst>
+            </p:seq>
+          </p:childTnLst>
+        </p:cTn>
+      </p:par>
+    </p:tnLst>
+  </p:timing>
+</p:sld>
+</file>
+
+<file path=ppt/slides/slide8.xml><?xml version="1.0" encoding="utf-8"?>
+<p:sld xmlns:a="http://schemas.openxmlformats.org/drawingml/2006/main" xmlns:r="http://schemas.openxmlformats.org/officeDocument/2006/relationships" xmlns:p="http://schemas.openxmlformats.org/presentationml/2006/main">
+  <p:cSld>
+    <p:spTree>
+      <p:nvGrpSpPr>
+        <p:cNvPr id="1" name=""/>
+        <p:cNvGrpSpPr/>
+        <p:nvPr/>
+      </p:nvGrpSpPr>
+      <p:grpSpPr>
+        <a:xfrm>
+          <a:off x="0" y="0"/>
+          <a:ext cx="0" cy="0"/>
+          <a:chOff x="0" y="0"/>
+          <a:chExt cx="0" cy="0"/>
+        </a:xfrm>
+      </p:grpSpPr>
+      <p:sp>
+        <p:nvSpPr>
+          <p:cNvPr id="7" name="Title 6">
+            <a:extLst>
+              <a:ext uri="{FF2B5EF4-FFF2-40B4-BE49-F238E27FC236}">
+                <a16:creationId xmlns:a16="http://schemas.microsoft.com/office/drawing/2014/main" id="{B13AE58C-0688-C29D-424E-7D19703CCA2C}"/>
+              </a:ext>
+            </a:extLst>
+          </p:cNvPr>
+          <p:cNvSpPr>
+            <a:spLocks noGrp="1"/>
+          </p:cNvSpPr>
+          <p:nvPr>
+            <p:ph type="title"/>
+          </p:nvPr>
+        </p:nvSpPr>
+        <p:spPr/>
+        <p:txBody>
+          <a:bodyPr/>
+          <a:lstStyle/>
+          <a:p>
+            <a:r>
+              <a:rPr lang="en-150" dirty="0" err="1">
+                <a:latin typeface="Bahnschrift Condensed" panose="020B0502040204020203" pitchFamily="34" charset="0"/>
+              </a:rPr>
+              <a:t>Jaut</a:t>
+            </a:r>
+            <a:r>
+              <a:rPr lang="lv-LV" dirty="0" err="1">
+                <a:latin typeface="Bahnschrift Condensed" panose="020B0502040204020203" pitchFamily="34" charset="0"/>
+              </a:rPr>
+              <a:t>ājumi</a:t>
+            </a:r>
+            <a:r>
+              <a:rPr lang="lv-LV" dirty="0">
+                <a:latin typeface="Bahnschrift Condensed" panose="020B0502040204020203" pitchFamily="34" charset="0"/>
+              </a:rPr>
+              <a:t> un atbildes</a:t>
+            </a:r>
+            <a:endParaRPr lang="en-150" dirty="0">
+              <a:latin typeface="Bahnschrift Condensed" panose="020B0502040204020203" pitchFamily="34" charset="0"/>
+            </a:endParaRPr>
+          </a:p>
+        </p:txBody>
+      </p:sp>
+      <p:sp>
+        <p:nvSpPr>
+          <p:cNvPr id="8" name="Content Placeholder 7">
+            <a:extLst>
+              <a:ext uri="{FF2B5EF4-FFF2-40B4-BE49-F238E27FC236}">
+                <a16:creationId xmlns:a16="http://schemas.microsoft.com/office/drawing/2014/main" id="{54C4310F-8ABB-DB99-9970-9CCF9281E6C5}"/>
+              </a:ext>
+            </a:extLst>
+          </p:cNvPr>
+          <p:cNvSpPr>
+            <a:spLocks noGrp="1"/>
+          </p:cNvSpPr>
+          <p:nvPr>
+            <p:ph idx="1"/>
+          </p:nvPr>
+        </p:nvSpPr>
+        <p:spPr/>
+        <p:txBody>
+          <a:bodyPr/>
+          <a:lstStyle/>
+          <a:p>
+            <a:r>
+              <a:rPr lang="lv-LV" dirty="0"/>
+              <a:t>Produkta perspektīva:</a:t>
+            </a:r>
+          </a:p>
+          <a:p>
+            <a:pPr lvl="1"/>
+            <a:r>
+              <a:rPr lang="lv-LV" dirty="0"/>
+              <a:t>Fotogrāfiju kategorijas</a:t>
+            </a:r>
+          </a:p>
+          <a:p>
+            <a:pPr lvl="1"/>
+            <a:r>
+              <a:rPr lang="lv-LV" dirty="0"/>
+              <a:t>Ūdenszīmes</a:t>
+            </a:r>
+          </a:p>
+          <a:p>
+            <a:pPr lvl="1"/>
+            <a:r>
+              <a:rPr lang="lv-LV" dirty="0" err="1"/>
+              <a:t>https</a:t>
+            </a:r>
+            <a:endParaRPr lang="lv-LV" dirty="0"/>
+          </a:p>
+          <a:p>
+            <a:endParaRPr lang="en-150" dirty="0"/>
+          </a:p>
+        </p:txBody>
+      </p:sp>
+      <p:pic>
+        <p:nvPicPr>
+          <p:cNvPr id="6" name="Picture 5">
+            <a:extLst>
+              <a:ext uri="{FF2B5EF4-FFF2-40B4-BE49-F238E27FC236}">
+                <a16:creationId xmlns:a16="http://schemas.microsoft.com/office/drawing/2014/main" id="{5FACED9E-688B-B83C-0F42-91272536993F}"/>
+              </a:ext>
+            </a:extLst>
+          </p:cNvPr>
+          <p:cNvPicPr>
+            <a:picLocks noChangeAspect="1"/>
+          </p:cNvPicPr>
+          <p:nvPr/>
+        </p:nvPicPr>
+        <p:blipFill>
+          <a:blip r:embed="rId2"/>
+          <a:stretch>
+            <a:fillRect/>
+          </a:stretch>
+        </p:blipFill>
+        <p:spPr>
+          <a:xfrm>
+            <a:off x="473382" y="2093976"/>
+            <a:ext cx="11245235" cy="2782719"/>
+          </a:xfrm>
+          <a:prstGeom prst="rect">
+            <a:avLst/>
+          </a:prstGeom>
+        </p:spPr>
+      </p:pic>
+      <p:pic>
+        <p:nvPicPr>
+          <p:cNvPr id="10" name="Picture 9">
+            <a:extLst>
+              <a:ext uri="{FF2B5EF4-FFF2-40B4-BE49-F238E27FC236}">
+                <a16:creationId xmlns:a16="http://schemas.microsoft.com/office/drawing/2014/main" id="{8B2D95D3-4AFB-6451-4281-CA261B5332BC}"/>
+              </a:ext>
+            </a:extLst>
+          </p:cNvPr>
+          <p:cNvPicPr>
+            <a:picLocks noChangeAspect="1"/>
+          </p:cNvPicPr>
+          <p:nvPr/>
+        </p:nvPicPr>
+        <p:blipFill>
+          <a:blip r:embed="rId3"/>
+          <a:stretch>
+            <a:fillRect/>
+          </a:stretch>
+        </p:blipFill>
+        <p:spPr>
+          <a:xfrm>
+            <a:off x="3630193" y="2030313"/>
+            <a:ext cx="4931611" cy="2797374"/>
+          </a:xfrm>
+          <a:prstGeom prst="rect">
+            <a:avLst/>
+          </a:prstGeom>
+        </p:spPr>
+      </p:pic>
+      <p:pic>
+        <p:nvPicPr>
+          <p:cNvPr id="12" name="Picture 11">
+            <a:extLst>
+              <a:ext uri="{FF2B5EF4-FFF2-40B4-BE49-F238E27FC236}">
+                <a16:creationId xmlns:a16="http://schemas.microsoft.com/office/drawing/2014/main" id="{C040D87E-4AF9-7098-99DC-CBB8ACA0979B}"/>
+              </a:ext>
+            </a:extLst>
+          </p:cNvPr>
+          <p:cNvPicPr>
+            <a:picLocks noChangeAspect="1"/>
+          </p:cNvPicPr>
+          <p:nvPr/>
+        </p:nvPicPr>
+        <p:blipFill>
+          <a:blip r:embed="rId4"/>
+          <a:stretch>
+            <a:fillRect/>
+          </a:stretch>
+        </p:blipFill>
+        <p:spPr>
+          <a:xfrm>
+            <a:off x="4081324" y="0"/>
+            <a:ext cx="4029351" cy="6858000"/>
+          </a:xfrm>
+          <a:prstGeom prst="rect">
+            <a:avLst/>
+          </a:prstGeom>
+        </p:spPr>
+      </p:pic>
+    </p:spTree>
+    <p:extLst>
+      <p:ext uri="{BB962C8B-B14F-4D97-AF65-F5344CB8AC3E}">
+        <p14:creationId xmlns:p14="http://schemas.microsoft.com/office/powerpoint/2010/main" val="2177083318"/>
+      </p:ext>
+    </p:extLst>
+  </p:cSld>
+  <p:clrMapOvr>
+    <a:masterClrMapping/>
+  </p:clrMapOvr>
+  <p:timing>
+    <p:tnLst>
+      <p:par>
+        <p:cTn id="1" dur="indefinite" restart="never" nodeType="tmRoot">
+          <p:childTnLst>
+            <p:seq concurrent="1" nextAc="seek">
+              <p:cTn id="2" dur="indefinite" nodeType="mainSeq">
+                <p:childTnLst>
+                  <p:par>
+                    <p:cTn id="3" fill="hold">
+                      <p:stCondLst>
+                        <p:cond delay="indefinite"/>
+                      </p:stCondLst>
+                      <p:childTnLst>
+                        <p:par>
+                          <p:cTn id="4" fill="hold">
+                            <p:stCondLst>
+                              <p:cond delay="0"/>
+                            </p:stCondLst>
+                            <p:childTnLst>
+                              <p:par>
+                                <p:cTn id="5" presetID="42" presetClass="entr" presetSubtype="0" fill="hold" nodeType="clickEffect">
+                                  <p:stCondLst>
+                                    <p:cond delay="0"/>
+                                  </p:stCondLst>
+                                  <p:childTnLst>
+                                    <p:set>
+                                      <p:cBhvr>
+                                        <p:cTn id="6" dur="1" fill="hold">
+                                          <p:stCondLst>
+                                            <p:cond delay="0"/>
+                                          </p:stCondLst>
+                                        </p:cTn>
+                                        <p:tgtEl>
+                                          <p:spTgt spid="6"/>
+                                        </p:tgtEl>
+                                        <p:attrNameLst>
+                                          <p:attrName>style.visibility</p:attrName>
+                                        </p:attrNameLst>
+                                      </p:cBhvr>
+                                      <p:to>
+                                        <p:strVal val="visible"/>
+                                      </p:to>
+                                    </p:set>
+                                    <p:animEffect transition="in" filter="fade">
+                                      <p:cBhvr>
+                                        <p:cTn id="7" dur="1000"/>
+                                        <p:tgtEl>
+                                          <p:spTgt spid="6"/>
+                                        </p:tgtEl>
+                                      </p:cBhvr>
+                                    </p:animEffect>
+                                    <p:anim calcmode="lin" valueType="num">
+                                      <p:cBhvr>
+                                        <p:cTn id="8" dur="1000" fill="hold"/>
+                                        <p:tgtEl>
+                                          <p:spTgt spid="6"/>
+                                        </p:tgtEl>
+                                        <p:attrNameLst>
+                                          <p:attrName>ppt_x</p:attrName>
+                                        </p:attrNameLst>
+                                      </p:cBhvr>
+                                      <p:tavLst>
+                                        <p:tav tm="0">
+                                          <p:val>
+                                            <p:strVal val="#ppt_x"/>
+                                          </p:val>
+                                        </p:tav>
+                                        <p:tav tm="100000">
+                                          <p:val>
+                                            <p:strVal val="#ppt_x"/>
+                                          </p:val>
+                                        </p:tav>
+                                      </p:tavLst>
+                                    </p:anim>
+                                    <p:anim calcmode="lin" valueType="num">
+                                      <p:cBhvr>
+                                        <p:cTn id="9" dur="1000" fill="hold"/>
+                                        <p:tgtEl>
+                                          <p:spTgt spid="6"/>
+                                        </p:tgtEl>
+                                        <p:attrNameLst>
+                                          <p:attrName>ppt_y</p:attrName>
+                                        </p:attrNameLst>
+                                      </p:cBhvr>
+                                      <p:tavLst>
+                                        <p:tav tm="0">
+                                          <p:val>
+                                            <p:strVal val="#ppt_y+.1"/>
+                                          </p:val>
+                                        </p:tav>
+                                        <p:tav tm="100000">
+                                          <p:val>
+                                            <p:strVal val="#ppt_y"/>
+                                          </p:val>
+                                        </p:tav>
+                                      </p:tavLst>
+                                    </p:anim>
+                                  </p:childTnLst>
+                                </p:cTn>
+                              </p:par>
+                            </p:childTnLst>
+                          </p:cTn>
+                        </p:par>
+                      </p:childTnLst>
+                    </p:cTn>
+                  </p:par>
+                  <p:par>
+                    <p:cTn id="10" fill="hold">
+                      <p:stCondLst>
+                        <p:cond delay="indefinite"/>
+                      </p:stCondLst>
+                      <p:childTnLst>
+                        <p:par>
+                          <p:cTn id="11" fill="hold">
+                            <p:stCondLst>
+                              <p:cond delay="0"/>
+                            </p:stCondLst>
+                            <p:childTnLst>
+                              <p:par>
+                                <p:cTn id="12" presetID="42" presetClass="entr" presetSubtype="0" fill="hold" nodeType="clickEffect">
+                                  <p:stCondLst>
+                                    <p:cond delay="0"/>
+                                  </p:stCondLst>
+                                  <p:childTnLst>
+                                    <p:set>
+                                      <p:cBhvr>
+                                        <p:cTn id="13" dur="1" fill="hold">
+                                          <p:stCondLst>
+                                            <p:cond delay="0"/>
+                                          </p:stCondLst>
+                                        </p:cTn>
+                                        <p:tgtEl>
+                                          <p:spTgt spid="10"/>
+                                        </p:tgtEl>
+                                        <p:attrNameLst>
+                                          <p:attrName>style.visibility</p:attrName>
+                                        </p:attrNameLst>
+                                      </p:cBhvr>
+                                      <p:to>
+                                        <p:strVal val="visible"/>
+                                      </p:to>
+                                    </p:set>
+                                    <p:animEffect transition="in" filter="fade">
+                                      <p:cBhvr>
+                                        <p:cTn id="14" dur="1000"/>
+                                        <p:tgtEl>
+                                          <p:spTgt spid="10"/>
+                                        </p:tgtEl>
+                                      </p:cBhvr>
+                                    </p:animEffect>
+                                    <p:anim calcmode="lin" valueType="num">
+                                      <p:cBhvr>
+                                        <p:cTn id="15" dur="1000" fill="hold"/>
+                                        <p:tgtEl>
+                                          <p:spTgt spid="10"/>
+                                        </p:tgtEl>
+                                        <p:attrNameLst>
+                                          <p:attrName>ppt_x</p:attrName>
+                                        </p:attrNameLst>
+                                      </p:cBhvr>
+                                      <p:tavLst>
+                                        <p:tav tm="0">
+                                          <p:val>
+                                            <p:strVal val="#ppt_x"/>
+                                          </p:val>
+                                        </p:tav>
+                                        <p:tav tm="100000">
+                                          <p:val>
+                                            <p:strVal val="#ppt_x"/>
+                                          </p:val>
+                                        </p:tav>
+                                      </p:tavLst>
+                                    </p:anim>
+                                    <p:anim calcmode="lin" valueType="num">
+                                      <p:cBhvr>
+                                        <p:cTn id="16" dur="1000" fill="hold"/>
+                                        <p:tgtEl>
+                                          <p:spTgt spid="10"/>
+                                        </p:tgtEl>
+                                        <p:attrNameLst>
+                                          <p:attrName>ppt_y</p:attrName>
+                                        </p:attrNameLst>
+                                      </p:cBhvr>
+                                      <p:tavLst>
+                                        <p:tav tm="0">
+                                          <p:val>
+                                            <p:strVal val="#ppt_y+.1"/>
+                                          </p:val>
+                                        </p:tav>
+                                        <p:tav tm="100000">
+                                          <p:val>
+                                            <p:strVal val="#ppt_y"/>
+                                          </p:val>
+                                        </p:tav>
+                                      </p:tavLst>
+                                    </p:anim>
+                                  </p:childTnLst>
+                                </p:cTn>
+                              </p:par>
+                            </p:childTnLst>
+                          </p:cTn>
+                        </p:par>
+                      </p:childTnLst>
+                    </p:cTn>
+                  </p:par>
+                  <p:par>
+                    <p:cTn id="17" fill="hold">
+                      <p:stCondLst>
+                        <p:cond delay="indefinite"/>
+                      </p:stCondLst>
+                      <p:childTnLst>
+                        <p:par>
+                          <p:cTn id="18" fill="hold">
+                            <p:stCondLst>
+                              <p:cond delay="0"/>
+                            </p:stCondLst>
+                            <p:childTnLst>
+                              <p:par>
+                                <p:cTn id="19" presetID="42" presetClass="entr" presetSubtype="0" fill="hold" nodeType="clickEffect">
+                                  <p:stCondLst>
+                                    <p:cond delay="0"/>
+                                  </p:stCondLst>
+                                  <p:childTnLst>
+                                    <p:set>
+                                      <p:cBhvr>
+                                        <p:cTn id="20" dur="1" fill="hold">
+                                          <p:stCondLst>
+                                            <p:cond delay="0"/>
+                                          </p:stCondLst>
+                                        </p:cTn>
+                                        <p:tgtEl>
+                                          <p:spTgt spid="12"/>
+                                        </p:tgtEl>
+                                        <p:attrNameLst>
+                                          <p:attrName>style.visibility</p:attrName>
+                                        </p:attrNameLst>
+                                      </p:cBhvr>
+                                      <p:to>
+                                        <p:strVal val="visible"/>
+                                      </p:to>
+                                    </p:set>
+                                    <p:animEffect transition="in" filter="fade">
+                                      <p:cBhvr>
+                                        <p:cTn id="21" dur="1000"/>
+                                        <p:tgtEl>
+                                          <p:spTgt spid="12"/>
+                                        </p:tgtEl>
+                                      </p:cBhvr>
+                                    </p:animEffect>
+                                    <p:anim calcmode="lin" valueType="num">
+                                      <p:cBhvr>
+                                        <p:cTn id="22" dur="1000" fill="hold"/>
+                                        <p:tgtEl>
+                                          <p:spTgt spid="12"/>
+                                        </p:tgtEl>
+                                        <p:attrNameLst>
+                                          <p:attrName>ppt_x</p:attrName>
+                                        </p:attrNameLst>
+                                      </p:cBhvr>
+                                      <p:tavLst>
+                                        <p:tav tm="0">
+                                          <p:val>
+                                            <p:strVal val="#ppt_x"/>
+                                          </p:val>
+                                        </p:tav>
+                                        <p:tav tm="100000">
+                                          <p:val>
+                                            <p:strVal val="#ppt_x"/>
+                                          </p:val>
+                                        </p:tav>
+                                      </p:tavLst>
+                                    </p:anim>
+                                    <p:anim calcmode="lin" valueType="num">
+                                      <p:cBhvr>
+                                        <p:cTn id="23" dur="1000" fill="hold"/>
+                                        <p:tgtEl>
+                                          <p:spTgt spid="12"/>
+                                        </p:tgtEl>
+                                        <p:attrNameLst>
+                                          <p:attrName>ppt_y</p:attrName>
+                                        </p:attrNameLst>
+                                      </p:cBhvr>
+                                      <p:tavLst>
+                                        <p:tav tm="0">
+                                          <p:val>
+                                            <p:strVal val="#ppt_y+.1"/>
+                                          </p:val>
+                                        </p:tav>
+                                        <p:tav tm="100000">
+                                          <p:val>
+                                            <p:strVal val="#ppt_y"/>
+                                          </p:val>
+                                        </p:tav>
+                                      </p:tavLst>
+                                    </p:anim>
+                                  </p:childTnLst>
+                                </p:cTn>
+                              </p:par>
+                            </p:childTnLst>
+                          </p:cTn>
+                        </p:par>
+                      </p:childTnLst>
+                    </p:cTn>
+                  </p:par>
+                </p:childTnLst>
+              </p:cTn>
+              <p:prevCondLst>
+                <p:cond evt="onPrev" delay="0">
+                  <p:tgtEl>
+                    <p:sldTgt/>
+                  </p:tgtEl>
+                </p:cond>
+              </p:prevCondLst>
+              <p:nextCondLst>
+                <p:cond evt="onNext" delay="0">
+                  <p:tgtEl>
+                    <p:sldTgt/>
+                  </p:tgtEl>
+                </p:cond>
+              </p:nextCondLst>
+            </p:seq>
+          </p:childTnLst>
+        </p:cTn>
+      </p:par>
+    </p:tnLst>
+  </p:timing>
 </p:sld>
 </file>
 
